--- a/assets/slide/Moca.pptx
+++ b/assets/slide/Moca.pptx
@@ -5,20 +5,21 @@
     <p:sldMasterId id="2147483672" r:id="rId1"/>
   </p:sldMasterIdLst>
   <p:notesMasterIdLst>
-    <p:notesMasterId r:id="rId13"/>
+    <p:notesMasterId r:id="rId14"/>
   </p:notesMasterIdLst>
   <p:sldIdLst>
     <p:sldId id="256" r:id="rId2"/>
-    <p:sldId id="257" r:id="rId3"/>
-    <p:sldId id="265" r:id="rId4"/>
-    <p:sldId id="267" r:id="rId5"/>
-    <p:sldId id="268" r:id="rId6"/>
-    <p:sldId id="269" r:id="rId7"/>
-    <p:sldId id="270" r:id="rId8"/>
-    <p:sldId id="271" r:id="rId9"/>
-    <p:sldId id="272" r:id="rId10"/>
-    <p:sldId id="274" r:id="rId11"/>
-    <p:sldId id="266" r:id="rId12"/>
+    <p:sldId id="275" r:id="rId3"/>
+    <p:sldId id="257" r:id="rId4"/>
+    <p:sldId id="265" r:id="rId5"/>
+    <p:sldId id="267" r:id="rId6"/>
+    <p:sldId id="268" r:id="rId7"/>
+    <p:sldId id="269" r:id="rId8"/>
+    <p:sldId id="270" r:id="rId9"/>
+    <p:sldId id="271" r:id="rId10"/>
+    <p:sldId id="272" r:id="rId11"/>
+    <p:sldId id="274" r:id="rId12"/>
+    <p:sldId id="266" r:id="rId13"/>
   </p:sldIdLst>
   <p:sldSz cx="12192000" cy="6858000"/>
   <p:notesSz cx="6858000" cy="9144000"/>
@@ -624,7 +625,7 @@
           <a:p>
             <a:fld id="{9978A3E0-AA2F-9D4A-8B7D-CBAAEB417280}" type="slidenum">
               <a:rPr lang="tr-TR" smtClean="0"/>
-              <a:t>11</a:t>
+              <a:t>12</a:t>
             </a:fld>
             <a:endParaRPr lang="tr-TR"/>
           </a:p>
@@ -3744,6 +3745,168 @@
           <a:chExt cx="0" cy="0"/>
         </a:xfrm>
       </p:grpSpPr>
+      <p:pic>
+        <p:nvPicPr>
+          <p:cNvPr id="4" name="Picture 3" descr="A screenshot of a cell phone&#13;&#10;&#13;&#10;Description automatically generated">
+            <a:extLst>
+              <a:ext uri="{FF2B5EF4-FFF2-40B4-BE49-F238E27FC236}">
+                <a16:creationId xmlns:a16="http://schemas.microsoft.com/office/drawing/2014/main" id="{84432F5E-8281-F547-B890-8A23F6BFF097}"/>
+              </a:ext>
+            </a:extLst>
+          </p:cNvPr>
+          <p:cNvPicPr>
+            <a:picLocks noChangeAspect="1"/>
+          </p:cNvPicPr>
+          <p:nvPr/>
+        </p:nvPicPr>
+        <p:blipFill>
+          <a:blip r:embed="rId2"/>
+          <a:stretch>
+            <a:fillRect/>
+          </a:stretch>
+        </p:blipFill>
+        <p:spPr>
+          <a:xfrm>
+            <a:off x="3192000" y="305679"/>
+            <a:ext cx="9000000" cy="6246641"/>
+          </a:xfrm>
+          <a:prstGeom prst="rect">
+            <a:avLst/>
+          </a:prstGeom>
+        </p:spPr>
+      </p:pic>
+      <p:sp>
+        <p:nvSpPr>
+          <p:cNvPr id="3" name="Title 1">
+            <a:extLst>
+              <a:ext uri="{FF2B5EF4-FFF2-40B4-BE49-F238E27FC236}">
+                <a16:creationId xmlns:a16="http://schemas.microsoft.com/office/drawing/2014/main" id="{EC76AF74-8D0E-914E-B457-735A5B04894E}"/>
+              </a:ext>
+            </a:extLst>
+          </p:cNvPr>
+          <p:cNvSpPr>
+            <a:spLocks noGrp="1"/>
+          </p:cNvSpPr>
+          <p:nvPr>
+            <p:ph type="title"/>
+          </p:nvPr>
+        </p:nvSpPr>
+        <p:spPr>
+          <a:xfrm>
+            <a:off x="152400" y="547686"/>
+            <a:ext cx="3276600" cy="665870"/>
+          </a:xfrm>
+        </p:spPr>
+        <p:txBody>
+          <a:bodyPr>
+            <a:normAutofit fontScale="90000"/>
+          </a:bodyPr>
+          <a:lstStyle/>
+          <a:p>
+            <a:r>
+              <a:rPr lang="tr-TR" dirty="0">
+                <a:latin typeface="Avenir Roman" panose="02000503020000020003" pitchFamily="2" charset="0"/>
+              </a:rPr>
+              <a:t>Step 7</a:t>
+            </a:r>
+          </a:p>
+        </p:txBody>
+      </p:sp>
+      <p:sp>
+        <p:nvSpPr>
+          <p:cNvPr id="5" name="Content Placeholder 2">
+            <a:extLst>
+              <a:ext uri="{FF2B5EF4-FFF2-40B4-BE49-F238E27FC236}">
+                <a16:creationId xmlns:a16="http://schemas.microsoft.com/office/drawing/2014/main" id="{439B77E1-ADA3-7748-816C-42574887FFA3}"/>
+              </a:ext>
+            </a:extLst>
+          </p:cNvPr>
+          <p:cNvSpPr>
+            <a:spLocks noGrp="1"/>
+          </p:cNvSpPr>
+          <p:nvPr>
+            <p:ph idx="1"/>
+          </p:nvPr>
+        </p:nvSpPr>
+        <p:spPr>
+          <a:xfrm>
+            <a:off x="152400" y="1541290"/>
+            <a:ext cx="3276600" cy="4445173"/>
+          </a:xfrm>
+        </p:spPr>
+        <p:txBody>
+          <a:bodyPr>
+            <a:normAutofit/>
+          </a:bodyPr>
+          <a:lstStyle/>
+          <a:p>
+            <a:pPr>
+              <a:buFontTx/>
+              <a:buChar char="-"/>
+            </a:pPr>
+            <a:r>
+              <a:rPr lang="en-US" sz="2600" dirty="0">
+                <a:latin typeface="Avenir Next" panose="020B0503020202020204" pitchFamily="34" charset="0"/>
+              </a:rPr>
+              <a:t>Export screen as html page with or without auto scale feature</a:t>
+            </a:r>
+          </a:p>
+          <a:p>
+            <a:pPr lvl="1">
+              <a:buFontTx/>
+              <a:buChar char="-"/>
+            </a:pPr>
+            <a:r>
+              <a:rPr lang="en-US" sz="2200" dirty="0">
+                <a:latin typeface="Avenir Next" panose="020B0503020202020204" pitchFamily="34" charset="0"/>
+              </a:rPr>
+              <a:t>Auto scale, adjust sizes and positions of elements according to device width and height</a:t>
+            </a:r>
+          </a:p>
+          <a:p>
+            <a:pPr lvl="1">
+              <a:buFontTx/>
+              <a:buChar char="-"/>
+            </a:pPr>
+            <a:r>
+              <a:rPr lang="en-US" sz="2200" dirty="0">
+                <a:latin typeface="Avenir Next" panose="020B0503020202020204" pitchFamily="34" charset="0"/>
+              </a:rPr>
+              <a:t>Without auto scale feature, screen seem static.</a:t>
+            </a:r>
+          </a:p>
+        </p:txBody>
+      </p:sp>
+    </p:spTree>
+    <p:extLst>
+      <p:ext uri="{BB962C8B-B14F-4D97-AF65-F5344CB8AC3E}">
+        <p14:creationId xmlns:p14="http://schemas.microsoft.com/office/powerpoint/2010/main" val="1189952021"/>
+      </p:ext>
+    </p:extLst>
+  </p:cSld>
+  <p:clrMapOvr>
+    <a:masterClrMapping/>
+  </p:clrMapOvr>
+</p:sld>
+</file>
+
+<file path=ppt/slides/slide11.xml><?xml version="1.0" encoding="utf-8"?>
+<p:sld xmlns:a="http://schemas.openxmlformats.org/drawingml/2006/main" xmlns:r="http://schemas.openxmlformats.org/officeDocument/2006/relationships" xmlns:p="http://schemas.openxmlformats.org/presentationml/2006/main">
+  <p:cSld>
+    <p:spTree>
+      <p:nvGrpSpPr>
+        <p:cNvPr id="1" name=""/>
+        <p:cNvGrpSpPr/>
+        <p:nvPr/>
+      </p:nvGrpSpPr>
+      <p:grpSpPr>
+        <a:xfrm>
+          <a:off x="0" y="0"/>
+          <a:ext cx="0" cy="0"/>
+          <a:chOff x="0" y="0"/>
+          <a:chExt cx="0" cy="0"/>
+        </a:xfrm>
+      </p:grpSpPr>
       <p:sp>
         <p:nvSpPr>
           <p:cNvPr id="4" name="Title 1">
@@ -3997,7 +4160,7 @@
 </p:sld>
 </file>
 
-<file path=ppt/slides/slide11.xml><?xml version="1.0" encoding="utf-8"?>
+<file path=ppt/slides/slide12.xml><?xml version="1.0" encoding="utf-8"?>
 <p:sld xmlns:a="http://schemas.openxmlformats.org/drawingml/2006/main" xmlns:r="http://schemas.openxmlformats.org/officeDocument/2006/relationships" xmlns:p="http://schemas.openxmlformats.org/presentationml/2006/main">
   <p:cSld>
     <p:spTree>
@@ -4611,6 +4774,147 @@
       </p:grpSpPr>
       <p:sp>
         <p:nvSpPr>
+          <p:cNvPr id="7" name="Title 1">
+            <a:extLst>
+              <a:ext uri="{FF2B5EF4-FFF2-40B4-BE49-F238E27FC236}">
+                <a16:creationId xmlns:a16="http://schemas.microsoft.com/office/drawing/2014/main" id="{C17CB4EA-1395-114D-B2B3-A9DF69D32E27}"/>
+              </a:ext>
+            </a:extLst>
+          </p:cNvPr>
+          <p:cNvSpPr>
+            <a:spLocks noGrp="1"/>
+          </p:cNvSpPr>
+          <p:nvPr>
+            <p:ph type="title"/>
+          </p:nvPr>
+        </p:nvSpPr>
+        <p:spPr>
+          <a:xfrm>
+            <a:off x="152399" y="547686"/>
+            <a:ext cx="11849101" cy="665870"/>
+          </a:xfrm>
+        </p:spPr>
+        <p:txBody>
+          <a:bodyPr>
+            <a:normAutofit fontScale="90000"/>
+          </a:bodyPr>
+          <a:lstStyle/>
+          <a:p>
+            <a:r>
+              <a:rPr lang="tr-TR" dirty="0">
+                <a:latin typeface="Avenir Roman" panose="02000503020000020003" pitchFamily="2" charset="0"/>
+              </a:rPr>
+              <a:t>Accessibility Design &amp; </a:t>
+            </a:r>
+            <a:r>
+              <a:rPr lang="tr-TR" dirty="0" err="1">
+                <a:latin typeface="Avenir Roman" panose="02000503020000020003" pitchFamily="2" charset="0"/>
+              </a:rPr>
+              <a:t>Interview</a:t>
+            </a:r>
+            <a:r>
+              <a:rPr lang="tr-TR" dirty="0">
+                <a:latin typeface="Avenir Roman" panose="02000503020000020003" pitchFamily="2" charset="0"/>
+              </a:rPr>
+              <a:t> </a:t>
+            </a:r>
+            <a:r>
+              <a:rPr lang="tr-TR" dirty="0" err="1">
+                <a:latin typeface="Avenir Roman" panose="02000503020000020003" pitchFamily="2" charset="0"/>
+              </a:rPr>
+              <a:t>Process</a:t>
+            </a:r>
+            <a:r>
+              <a:rPr lang="tr-TR" dirty="0">
+                <a:latin typeface="Avenir Roman" panose="02000503020000020003" pitchFamily="2" charset="0"/>
+              </a:rPr>
+              <a:t> </a:t>
+            </a:r>
+            <a:r>
+              <a:rPr lang="tr-TR" dirty="0" err="1">
+                <a:latin typeface="Avenir Roman" panose="02000503020000020003" pitchFamily="2" charset="0"/>
+              </a:rPr>
+              <a:t>with</a:t>
+            </a:r>
+            <a:r>
+              <a:rPr lang="tr-TR" dirty="0">
+                <a:latin typeface="Avenir Roman" panose="02000503020000020003" pitchFamily="2" charset="0"/>
+              </a:rPr>
+              <a:t> </a:t>
+            </a:r>
+            <a:r>
+              <a:rPr lang="tr-TR" dirty="0" err="1">
+                <a:latin typeface="Avenir Roman" panose="02000503020000020003" pitchFamily="2" charset="0"/>
+              </a:rPr>
+              <a:t>Moca</a:t>
+            </a:r>
+            <a:endParaRPr lang="tr-TR" dirty="0">
+              <a:latin typeface="Avenir Roman" panose="02000503020000020003" pitchFamily="2" charset="0"/>
+            </a:endParaRPr>
+          </a:p>
+        </p:txBody>
+      </p:sp>
+      <p:pic>
+        <p:nvPicPr>
+          <p:cNvPr id="11" name="Content Placeholder 10" descr="A close up of a logo&#13;&#10;&#13;&#10;Description automatically generated">
+            <a:extLst>
+              <a:ext uri="{FF2B5EF4-FFF2-40B4-BE49-F238E27FC236}">
+                <a16:creationId xmlns:a16="http://schemas.microsoft.com/office/drawing/2014/main" id="{B8092322-3918-4F43-8F32-B7304D2FF37D}"/>
+              </a:ext>
+            </a:extLst>
+          </p:cNvPr>
+          <p:cNvPicPr>
+            <a:picLocks noGrp="1" noChangeAspect="1"/>
+          </p:cNvPicPr>
+          <p:nvPr>
+            <p:ph idx="1"/>
+          </p:nvPr>
+        </p:nvPicPr>
+        <p:blipFill>
+          <a:blip r:embed="rId2"/>
+          <a:stretch>
+            <a:fillRect/>
+          </a:stretch>
+        </p:blipFill>
+        <p:spPr>
+          <a:xfrm>
+            <a:off x="3127542" y="2256014"/>
+            <a:ext cx="5936915" cy="3490031"/>
+          </a:xfrm>
+        </p:spPr>
+      </p:pic>
+    </p:spTree>
+    <p:extLst>
+      <p:ext uri="{BB962C8B-B14F-4D97-AF65-F5344CB8AC3E}">
+        <p14:creationId xmlns:p14="http://schemas.microsoft.com/office/powerpoint/2010/main" val="283562634"/>
+      </p:ext>
+    </p:extLst>
+  </p:cSld>
+  <p:clrMapOvr>
+    <a:masterClrMapping/>
+  </p:clrMapOvr>
+</p:sld>
+</file>
+
+<file path=ppt/slides/slide3.xml><?xml version="1.0" encoding="utf-8"?>
+<p:sld xmlns:a="http://schemas.openxmlformats.org/drawingml/2006/main" xmlns:r="http://schemas.openxmlformats.org/officeDocument/2006/relationships" xmlns:p="http://schemas.openxmlformats.org/presentationml/2006/main">
+  <p:cSld>
+    <p:spTree>
+      <p:nvGrpSpPr>
+        <p:cNvPr id="1" name=""/>
+        <p:cNvGrpSpPr/>
+        <p:nvPr/>
+      </p:nvGrpSpPr>
+      <p:grpSpPr>
+        <a:xfrm>
+          <a:off x="0" y="0"/>
+          <a:ext cx="0" cy="0"/>
+          <a:chOff x="0" y="0"/>
+          <a:chExt cx="0" cy="0"/>
+        </a:xfrm>
+      </p:grpSpPr>
+      <p:sp>
+        <p:nvSpPr>
           <p:cNvPr id="2" name="Title 1">
             <a:extLst>
               <a:ext uri="{FF2B5EF4-FFF2-40B4-BE49-F238E27FC236}">
@@ -5078,7 +5382,7 @@
 </p:sld>
 </file>
 
-<file path=ppt/slides/slide3.xml><?xml version="1.0" encoding="utf-8"?>
+<file path=ppt/slides/slide4.xml><?xml version="1.0" encoding="utf-8"?>
 <p:sld xmlns:a="http://schemas.openxmlformats.org/drawingml/2006/main" xmlns:r="http://schemas.openxmlformats.org/officeDocument/2006/relationships" xmlns:p="http://schemas.openxmlformats.org/presentationml/2006/main">
   <p:cSld>
     <p:spTree>
@@ -5228,7 +5532,7 @@
 </p:sld>
 </file>
 
-<file path=ppt/slides/slide4.xml><?xml version="1.0" encoding="utf-8"?>
+<file path=ppt/slides/slide5.xml><?xml version="1.0" encoding="utf-8"?>
 <p:sld xmlns:a="http://schemas.openxmlformats.org/drawingml/2006/main" xmlns:r="http://schemas.openxmlformats.org/officeDocument/2006/relationships" xmlns:p="http://schemas.openxmlformats.org/presentationml/2006/main">
   <p:cSld>
     <p:spTree>
@@ -5774,7 +6078,7 @@
 </p:sld>
 </file>
 
-<file path=ppt/slides/slide5.xml><?xml version="1.0" encoding="utf-8"?>
+<file path=ppt/slides/slide6.xml><?xml version="1.0" encoding="utf-8"?>
 <p:sld xmlns:a="http://schemas.openxmlformats.org/drawingml/2006/main" xmlns:r="http://schemas.openxmlformats.org/officeDocument/2006/relationships" xmlns:p="http://schemas.openxmlformats.org/presentationml/2006/main">
   <p:cSld>
     <p:spTree>
@@ -6002,7 +6306,7 @@
 </p:sld>
 </file>
 
-<file path=ppt/slides/slide6.xml><?xml version="1.0" encoding="utf-8"?>
+<file path=ppt/slides/slide7.xml><?xml version="1.0" encoding="utf-8"?>
 <p:sld xmlns:a="http://schemas.openxmlformats.org/drawingml/2006/main" xmlns:r="http://schemas.openxmlformats.org/officeDocument/2006/relationships" xmlns:p="http://schemas.openxmlformats.org/presentationml/2006/main">
   <p:cSld>
     <p:spTree>
@@ -6533,7 +6837,7 @@
 </p:sld>
 </file>
 
-<file path=ppt/slides/slide7.xml><?xml version="1.0" encoding="utf-8"?>
+<file path=ppt/slides/slide8.xml><?xml version="1.0" encoding="utf-8"?>
 <p:sld xmlns:a="http://schemas.openxmlformats.org/drawingml/2006/main" xmlns:r="http://schemas.openxmlformats.org/officeDocument/2006/relationships" xmlns:p="http://schemas.openxmlformats.org/presentationml/2006/main">
   <p:cSld>
     <p:spTree>
@@ -6698,7 +7002,7 @@
 </p:sld>
 </file>
 
-<file path=ppt/slides/slide8.xml><?xml version="1.0" encoding="utf-8"?>
+<file path=ppt/slides/slide9.xml><?xml version="1.0" encoding="utf-8"?>
 <p:sld xmlns:a="http://schemas.openxmlformats.org/drawingml/2006/main" xmlns:r="http://schemas.openxmlformats.org/officeDocument/2006/relationships" xmlns:p="http://schemas.openxmlformats.org/presentationml/2006/main">
   <p:cSld>
     <p:spTree>
@@ -6890,168 +7194,6 @@
     <p:extLst>
       <p:ext uri="{BB962C8B-B14F-4D97-AF65-F5344CB8AC3E}">
         <p14:creationId xmlns:p14="http://schemas.microsoft.com/office/powerpoint/2010/main" val="262391226"/>
-      </p:ext>
-    </p:extLst>
-  </p:cSld>
-  <p:clrMapOvr>
-    <a:masterClrMapping/>
-  </p:clrMapOvr>
-</p:sld>
-</file>
-
-<file path=ppt/slides/slide9.xml><?xml version="1.0" encoding="utf-8"?>
-<p:sld xmlns:a="http://schemas.openxmlformats.org/drawingml/2006/main" xmlns:r="http://schemas.openxmlformats.org/officeDocument/2006/relationships" xmlns:p="http://schemas.openxmlformats.org/presentationml/2006/main">
-  <p:cSld>
-    <p:spTree>
-      <p:nvGrpSpPr>
-        <p:cNvPr id="1" name=""/>
-        <p:cNvGrpSpPr/>
-        <p:nvPr/>
-      </p:nvGrpSpPr>
-      <p:grpSpPr>
-        <a:xfrm>
-          <a:off x="0" y="0"/>
-          <a:ext cx="0" cy="0"/>
-          <a:chOff x="0" y="0"/>
-          <a:chExt cx="0" cy="0"/>
-        </a:xfrm>
-      </p:grpSpPr>
-      <p:pic>
-        <p:nvPicPr>
-          <p:cNvPr id="4" name="Picture 3" descr="A screenshot of a cell phone&#13;&#10;&#13;&#10;Description automatically generated">
-            <a:extLst>
-              <a:ext uri="{FF2B5EF4-FFF2-40B4-BE49-F238E27FC236}">
-                <a16:creationId xmlns:a16="http://schemas.microsoft.com/office/drawing/2014/main" id="{84432F5E-8281-F547-B890-8A23F6BFF097}"/>
-              </a:ext>
-            </a:extLst>
-          </p:cNvPr>
-          <p:cNvPicPr>
-            <a:picLocks noChangeAspect="1"/>
-          </p:cNvPicPr>
-          <p:nvPr/>
-        </p:nvPicPr>
-        <p:blipFill>
-          <a:blip r:embed="rId2"/>
-          <a:stretch>
-            <a:fillRect/>
-          </a:stretch>
-        </p:blipFill>
-        <p:spPr>
-          <a:xfrm>
-            <a:off x="3192000" y="305679"/>
-            <a:ext cx="9000000" cy="6246641"/>
-          </a:xfrm>
-          <a:prstGeom prst="rect">
-            <a:avLst/>
-          </a:prstGeom>
-        </p:spPr>
-      </p:pic>
-      <p:sp>
-        <p:nvSpPr>
-          <p:cNvPr id="3" name="Title 1">
-            <a:extLst>
-              <a:ext uri="{FF2B5EF4-FFF2-40B4-BE49-F238E27FC236}">
-                <a16:creationId xmlns:a16="http://schemas.microsoft.com/office/drawing/2014/main" id="{EC76AF74-8D0E-914E-B457-735A5B04894E}"/>
-              </a:ext>
-            </a:extLst>
-          </p:cNvPr>
-          <p:cNvSpPr>
-            <a:spLocks noGrp="1"/>
-          </p:cNvSpPr>
-          <p:nvPr>
-            <p:ph type="title"/>
-          </p:nvPr>
-        </p:nvSpPr>
-        <p:spPr>
-          <a:xfrm>
-            <a:off x="152400" y="547686"/>
-            <a:ext cx="3276600" cy="665870"/>
-          </a:xfrm>
-        </p:spPr>
-        <p:txBody>
-          <a:bodyPr>
-            <a:normAutofit fontScale="90000"/>
-          </a:bodyPr>
-          <a:lstStyle/>
-          <a:p>
-            <a:r>
-              <a:rPr lang="tr-TR" dirty="0">
-                <a:latin typeface="Avenir Roman" panose="02000503020000020003" pitchFamily="2" charset="0"/>
-              </a:rPr>
-              <a:t>Step 7</a:t>
-            </a:r>
-          </a:p>
-        </p:txBody>
-      </p:sp>
-      <p:sp>
-        <p:nvSpPr>
-          <p:cNvPr id="5" name="Content Placeholder 2">
-            <a:extLst>
-              <a:ext uri="{FF2B5EF4-FFF2-40B4-BE49-F238E27FC236}">
-                <a16:creationId xmlns:a16="http://schemas.microsoft.com/office/drawing/2014/main" id="{439B77E1-ADA3-7748-816C-42574887FFA3}"/>
-              </a:ext>
-            </a:extLst>
-          </p:cNvPr>
-          <p:cNvSpPr>
-            <a:spLocks noGrp="1"/>
-          </p:cNvSpPr>
-          <p:nvPr>
-            <p:ph idx="1"/>
-          </p:nvPr>
-        </p:nvSpPr>
-        <p:spPr>
-          <a:xfrm>
-            <a:off x="152400" y="1541290"/>
-            <a:ext cx="3276600" cy="4445173"/>
-          </a:xfrm>
-        </p:spPr>
-        <p:txBody>
-          <a:bodyPr>
-            <a:normAutofit/>
-          </a:bodyPr>
-          <a:lstStyle/>
-          <a:p>
-            <a:pPr>
-              <a:buFontTx/>
-              <a:buChar char="-"/>
-            </a:pPr>
-            <a:r>
-              <a:rPr lang="en-US" sz="2600" dirty="0">
-                <a:latin typeface="Avenir Next" panose="020B0503020202020204" pitchFamily="34" charset="0"/>
-              </a:rPr>
-              <a:t>Export screen as html page with or without auto scale feature</a:t>
-            </a:r>
-          </a:p>
-          <a:p>
-            <a:pPr lvl="1">
-              <a:buFontTx/>
-              <a:buChar char="-"/>
-            </a:pPr>
-            <a:r>
-              <a:rPr lang="en-US" sz="2200" dirty="0">
-                <a:latin typeface="Avenir Next" panose="020B0503020202020204" pitchFamily="34" charset="0"/>
-              </a:rPr>
-              <a:t>Auto scale, adjust sizes and positions of elements according to device width and height</a:t>
-            </a:r>
-          </a:p>
-          <a:p>
-            <a:pPr lvl="1">
-              <a:buFontTx/>
-              <a:buChar char="-"/>
-            </a:pPr>
-            <a:r>
-              <a:rPr lang="en-US" sz="2200" dirty="0">
-                <a:latin typeface="Avenir Next" panose="020B0503020202020204" pitchFamily="34" charset="0"/>
-              </a:rPr>
-              <a:t>Without auto scale feature, screen seem static.</a:t>
-            </a:r>
-          </a:p>
-        </p:txBody>
-      </p:sp>
-    </p:spTree>
-    <p:extLst>
-      <p:ext uri="{BB962C8B-B14F-4D97-AF65-F5344CB8AC3E}">
-        <p14:creationId xmlns:p14="http://schemas.microsoft.com/office/powerpoint/2010/main" val="1189952021"/>
       </p:ext>
     </p:extLst>
   </p:cSld>
